--- a/ppt 16-9/0716.谨慎舌头是智慧.pptx
+++ b/ppt 16-9/0716.谨慎舌头是智慧.pptx
@@ -5,7 +5,7 @@
     <p:sldMasterId id="2147483648" r:id="rId1"/>
   </p:sldMasterIdLst>
   <p:sldIdLst>
-    <p:sldId id="1948" r:id="rId2"/>
+    <p:sldId id="1949" r:id="rId2"/>
   </p:sldIdLst>
   <p:sldSz cx="12192000" cy="6858000"/>
   <p:notesSz cx="6858000" cy="9144000"/>
@@ -129,7 +129,7 @@
           <p:cNvPr id="2" name="标题 1">
             <a:extLst>
               <a:ext uri="{FF2B5EF4-FFF2-40B4-BE49-F238E27FC236}">
-                <a16:creationId xmlns:a16="http://schemas.microsoft.com/office/drawing/2014/main" id="{6E64A0A0-6072-6C09-51F0-AD18ABA1FE3F}"/>
+                <a16:creationId xmlns:a16="http://schemas.microsoft.com/office/drawing/2014/main" id="{FFABF96E-1653-9EA8-67C2-C2C041AA27B3}"/>
               </a:ext>
             </a:extLst>
           </p:cNvPr>
@@ -166,7 +166,7 @@
           <p:cNvPr id="3" name="副标题 2">
             <a:extLst>
               <a:ext uri="{FF2B5EF4-FFF2-40B4-BE49-F238E27FC236}">
-                <a16:creationId xmlns:a16="http://schemas.microsoft.com/office/drawing/2014/main" id="{5BC498EC-9FC2-9495-FCC1-91313D244F5F}"/>
+                <a16:creationId xmlns:a16="http://schemas.microsoft.com/office/drawing/2014/main" id="{CDD9DC8B-77E9-9C72-8489-4CB6724E11AA}"/>
               </a:ext>
             </a:extLst>
           </p:cNvPr>
@@ -236,7 +236,7 @@
           <p:cNvPr id="4" name="日期占位符 3">
             <a:extLst>
               <a:ext uri="{FF2B5EF4-FFF2-40B4-BE49-F238E27FC236}">
-                <a16:creationId xmlns:a16="http://schemas.microsoft.com/office/drawing/2014/main" id="{6FBA1F1B-5624-656E-C3D7-3091B60F42C1}"/>
+                <a16:creationId xmlns:a16="http://schemas.microsoft.com/office/drawing/2014/main" id="{E080805B-DA9D-E160-EBA3-5061A0C4A5DD}"/>
               </a:ext>
             </a:extLst>
           </p:cNvPr>
@@ -252,7 +252,7 @@
           <a:bodyPr/>
           <a:lstStyle/>
           <a:p>
-            <a:fld id="{DAFD26F3-A7F8-407E-B0AC-947E72C325BC}" type="datetimeFigureOut">
+            <a:fld id="{0EC3C017-69FD-4E14-BC6C-470D4ADE41E7}" type="datetimeFigureOut">
               <a:rPr lang="zh-CN" altLang="en-US" smtClean="0"/>
               <a:t>2024/3/10</a:t>
             </a:fld>
@@ -265,7 +265,7 @@
           <p:cNvPr id="5" name="页脚占位符 4">
             <a:extLst>
               <a:ext uri="{FF2B5EF4-FFF2-40B4-BE49-F238E27FC236}">
-                <a16:creationId xmlns:a16="http://schemas.microsoft.com/office/drawing/2014/main" id="{429ACB2D-81B5-0E1F-0568-C1A7A4FF663E}"/>
+                <a16:creationId xmlns:a16="http://schemas.microsoft.com/office/drawing/2014/main" id="{6DF6AE4C-14D4-EFEF-AB6C-47AB33731D32}"/>
               </a:ext>
             </a:extLst>
           </p:cNvPr>
@@ -290,7 +290,7 @@
           <p:cNvPr id="6" name="灯片编号占位符 5">
             <a:extLst>
               <a:ext uri="{FF2B5EF4-FFF2-40B4-BE49-F238E27FC236}">
-                <a16:creationId xmlns:a16="http://schemas.microsoft.com/office/drawing/2014/main" id="{662E48C3-6F40-8451-361A-8AA289D3D82F}"/>
+                <a16:creationId xmlns:a16="http://schemas.microsoft.com/office/drawing/2014/main" id="{5B7D39F3-1A3A-19D5-2512-2FB3FFC4E9FD}"/>
               </a:ext>
             </a:extLst>
           </p:cNvPr>
@@ -306,7 +306,7 @@
           <a:bodyPr/>
           <a:lstStyle/>
           <a:p>
-            <a:fld id="{BA028A31-630F-4C41-9FC3-36CAF00CB67B}" type="slidenum">
+            <a:fld id="{D4CCF160-7757-4D53-B455-341F44448A16}" type="slidenum">
               <a:rPr lang="zh-CN" altLang="en-US" smtClean="0"/>
               <a:t>‹#›</a:t>
             </a:fld>
@@ -317,7 +317,7 @@
     </p:spTree>
     <p:extLst>
       <p:ext uri="{BB962C8B-B14F-4D97-AF65-F5344CB8AC3E}">
-        <p14:creationId xmlns:p14="http://schemas.microsoft.com/office/powerpoint/2010/main" val="2193184446"/>
+        <p14:creationId xmlns:p14="http://schemas.microsoft.com/office/powerpoint/2010/main" val="4132843864"/>
       </p:ext>
     </p:extLst>
   </p:cSld>
@@ -349,7 +349,7 @@
           <p:cNvPr id="2" name="标题 1">
             <a:extLst>
               <a:ext uri="{FF2B5EF4-FFF2-40B4-BE49-F238E27FC236}">
-                <a16:creationId xmlns:a16="http://schemas.microsoft.com/office/drawing/2014/main" id="{AC0924A9-047D-8CB8-D8D3-F23BEF1AF0CD}"/>
+                <a16:creationId xmlns:a16="http://schemas.microsoft.com/office/drawing/2014/main" id="{9C14DA2E-06A2-B568-6BDC-A9058DBA92F5}"/>
               </a:ext>
             </a:extLst>
           </p:cNvPr>
@@ -377,7 +377,7 @@
           <p:cNvPr id="3" name="竖排文字占位符 2">
             <a:extLst>
               <a:ext uri="{FF2B5EF4-FFF2-40B4-BE49-F238E27FC236}">
-                <a16:creationId xmlns:a16="http://schemas.microsoft.com/office/drawing/2014/main" id="{532372C0-2649-65CD-ABA1-13686C9135C7}"/>
+                <a16:creationId xmlns:a16="http://schemas.microsoft.com/office/drawing/2014/main" id="{A56BF543-8A17-DA32-4D2C-F519B8E8ADCC}"/>
               </a:ext>
             </a:extLst>
           </p:cNvPr>
@@ -434,7 +434,7 @@
           <p:cNvPr id="4" name="日期占位符 3">
             <a:extLst>
               <a:ext uri="{FF2B5EF4-FFF2-40B4-BE49-F238E27FC236}">
-                <a16:creationId xmlns:a16="http://schemas.microsoft.com/office/drawing/2014/main" id="{076C91F9-A24D-8E7A-27F4-372D831B5745}"/>
+                <a16:creationId xmlns:a16="http://schemas.microsoft.com/office/drawing/2014/main" id="{91DE370A-CE8E-11FD-AB70-E21C8C2C71D9}"/>
               </a:ext>
             </a:extLst>
           </p:cNvPr>
@@ -450,7 +450,7 @@
           <a:bodyPr/>
           <a:lstStyle/>
           <a:p>
-            <a:fld id="{DAFD26F3-A7F8-407E-B0AC-947E72C325BC}" type="datetimeFigureOut">
+            <a:fld id="{0EC3C017-69FD-4E14-BC6C-470D4ADE41E7}" type="datetimeFigureOut">
               <a:rPr lang="zh-CN" altLang="en-US" smtClean="0"/>
               <a:t>2024/3/10</a:t>
             </a:fld>
@@ -463,7 +463,7 @@
           <p:cNvPr id="5" name="页脚占位符 4">
             <a:extLst>
               <a:ext uri="{FF2B5EF4-FFF2-40B4-BE49-F238E27FC236}">
-                <a16:creationId xmlns:a16="http://schemas.microsoft.com/office/drawing/2014/main" id="{6CC709C4-FF88-0408-EC24-64D5FEA421CB}"/>
+                <a16:creationId xmlns:a16="http://schemas.microsoft.com/office/drawing/2014/main" id="{069538D6-C346-20FA-D5F5-37C5E76613E0}"/>
               </a:ext>
             </a:extLst>
           </p:cNvPr>
@@ -488,7 +488,7 @@
           <p:cNvPr id="6" name="灯片编号占位符 5">
             <a:extLst>
               <a:ext uri="{FF2B5EF4-FFF2-40B4-BE49-F238E27FC236}">
-                <a16:creationId xmlns:a16="http://schemas.microsoft.com/office/drawing/2014/main" id="{5675E835-5A92-9F3A-D17B-5A0BD3FAA470}"/>
+                <a16:creationId xmlns:a16="http://schemas.microsoft.com/office/drawing/2014/main" id="{86B23D5D-32A0-20E8-632A-807EBB63C91D}"/>
               </a:ext>
             </a:extLst>
           </p:cNvPr>
@@ -504,7 +504,7 @@
           <a:bodyPr/>
           <a:lstStyle/>
           <a:p>
-            <a:fld id="{BA028A31-630F-4C41-9FC3-36CAF00CB67B}" type="slidenum">
+            <a:fld id="{D4CCF160-7757-4D53-B455-341F44448A16}" type="slidenum">
               <a:rPr lang="zh-CN" altLang="en-US" smtClean="0"/>
               <a:t>‹#›</a:t>
             </a:fld>
@@ -515,7 +515,7 @@
     </p:spTree>
     <p:extLst>
       <p:ext uri="{BB962C8B-B14F-4D97-AF65-F5344CB8AC3E}">
-        <p14:creationId xmlns:p14="http://schemas.microsoft.com/office/powerpoint/2010/main" val="4125575897"/>
+        <p14:creationId xmlns:p14="http://schemas.microsoft.com/office/powerpoint/2010/main" val="835171796"/>
       </p:ext>
     </p:extLst>
   </p:cSld>
@@ -547,7 +547,7 @@
           <p:cNvPr id="2" name="竖排标题 1">
             <a:extLst>
               <a:ext uri="{FF2B5EF4-FFF2-40B4-BE49-F238E27FC236}">
-                <a16:creationId xmlns:a16="http://schemas.microsoft.com/office/drawing/2014/main" id="{D9BF2C80-1E27-4041-F124-6167C19894B2}"/>
+                <a16:creationId xmlns:a16="http://schemas.microsoft.com/office/drawing/2014/main" id="{6A7F9776-9EDD-8FF3-7E39-EB97217A4C47}"/>
               </a:ext>
             </a:extLst>
           </p:cNvPr>
@@ -580,7 +580,7 @@
           <p:cNvPr id="3" name="竖排文字占位符 2">
             <a:extLst>
               <a:ext uri="{FF2B5EF4-FFF2-40B4-BE49-F238E27FC236}">
-                <a16:creationId xmlns:a16="http://schemas.microsoft.com/office/drawing/2014/main" id="{408AE604-6628-A37A-07BF-234B23DB807B}"/>
+                <a16:creationId xmlns:a16="http://schemas.microsoft.com/office/drawing/2014/main" id="{0E6BABF2-19B4-A5C8-C712-410378BBBBB0}"/>
               </a:ext>
             </a:extLst>
           </p:cNvPr>
@@ -642,7 +642,7 @@
           <p:cNvPr id="4" name="日期占位符 3">
             <a:extLst>
               <a:ext uri="{FF2B5EF4-FFF2-40B4-BE49-F238E27FC236}">
-                <a16:creationId xmlns:a16="http://schemas.microsoft.com/office/drawing/2014/main" id="{9D245BA7-126A-6D93-9F38-EB28E3E31F1F}"/>
+                <a16:creationId xmlns:a16="http://schemas.microsoft.com/office/drawing/2014/main" id="{DDE17A5B-DF2D-A11E-E05D-D535C18CF72E}"/>
               </a:ext>
             </a:extLst>
           </p:cNvPr>
@@ -658,7 +658,7 @@
           <a:bodyPr/>
           <a:lstStyle/>
           <a:p>
-            <a:fld id="{DAFD26F3-A7F8-407E-B0AC-947E72C325BC}" type="datetimeFigureOut">
+            <a:fld id="{0EC3C017-69FD-4E14-BC6C-470D4ADE41E7}" type="datetimeFigureOut">
               <a:rPr lang="zh-CN" altLang="en-US" smtClean="0"/>
               <a:t>2024/3/10</a:t>
             </a:fld>
@@ -671,7 +671,7 @@
           <p:cNvPr id="5" name="页脚占位符 4">
             <a:extLst>
               <a:ext uri="{FF2B5EF4-FFF2-40B4-BE49-F238E27FC236}">
-                <a16:creationId xmlns:a16="http://schemas.microsoft.com/office/drawing/2014/main" id="{5A81EDFB-6E05-6597-8214-A778CE8987EF}"/>
+                <a16:creationId xmlns:a16="http://schemas.microsoft.com/office/drawing/2014/main" id="{69931498-7AB0-8AA8-D8FA-6CDF8DAA8EE3}"/>
               </a:ext>
             </a:extLst>
           </p:cNvPr>
@@ -696,7 +696,7 @@
           <p:cNvPr id="6" name="灯片编号占位符 5">
             <a:extLst>
               <a:ext uri="{FF2B5EF4-FFF2-40B4-BE49-F238E27FC236}">
-                <a16:creationId xmlns:a16="http://schemas.microsoft.com/office/drawing/2014/main" id="{EDFE4B97-6102-8DE9-45FE-889D9028136E}"/>
+                <a16:creationId xmlns:a16="http://schemas.microsoft.com/office/drawing/2014/main" id="{B644E6C7-C336-B93E-24FC-92217B049396}"/>
               </a:ext>
             </a:extLst>
           </p:cNvPr>
@@ -712,7 +712,7 @@
           <a:bodyPr/>
           <a:lstStyle/>
           <a:p>
-            <a:fld id="{BA028A31-630F-4C41-9FC3-36CAF00CB67B}" type="slidenum">
+            <a:fld id="{D4CCF160-7757-4D53-B455-341F44448A16}" type="slidenum">
               <a:rPr lang="zh-CN" altLang="en-US" smtClean="0"/>
               <a:t>‹#›</a:t>
             </a:fld>
@@ -723,7 +723,7 @@
     </p:spTree>
     <p:extLst>
       <p:ext uri="{BB962C8B-B14F-4D97-AF65-F5344CB8AC3E}">
-        <p14:creationId xmlns:p14="http://schemas.microsoft.com/office/powerpoint/2010/main" val="371579794"/>
+        <p14:creationId xmlns:p14="http://schemas.microsoft.com/office/powerpoint/2010/main" val="3112614153"/>
       </p:ext>
     </p:extLst>
   </p:cSld>
@@ -755,7 +755,7 @@
           <p:cNvPr id="2" name="标题 1">
             <a:extLst>
               <a:ext uri="{FF2B5EF4-FFF2-40B4-BE49-F238E27FC236}">
-                <a16:creationId xmlns:a16="http://schemas.microsoft.com/office/drawing/2014/main" id="{ACA5C6D9-927B-7E0D-2975-EE293CAEC458}"/>
+                <a16:creationId xmlns:a16="http://schemas.microsoft.com/office/drawing/2014/main" id="{FD6DF238-4F6F-345A-9C10-3B3BEE9D96AB}"/>
               </a:ext>
             </a:extLst>
           </p:cNvPr>
@@ -783,7 +783,7 @@
           <p:cNvPr id="3" name="内容占位符 2">
             <a:extLst>
               <a:ext uri="{FF2B5EF4-FFF2-40B4-BE49-F238E27FC236}">
-                <a16:creationId xmlns:a16="http://schemas.microsoft.com/office/drawing/2014/main" id="{80C598BC-5660-E94C-BB5E-1E5E6111EC0A}"/>
+                <a16:creationId xmlns:a16="http://schemas.microsoft.com/office/drawing/2014/main" id="{58BFC214-FD86-8BEE-B7F2-BAE8AB45BB2A}"/>
               </a:ext>
             </a:extLst>
           </p:cNvPr>
@@ -840,7 +840,7 @@
           <p:cNvPr id="4" name="日期占位符 3">
             <a:extLst>
               <a:ext uri="{FF2B5EF4-FFF2-40B4-BE49-F238E27FC236}">
-                <a16:creationId xmlns:a16="http://schemas.microsoft.com/office/drawing/2014/main" id="{E75C10F6-A6E3-712B-0276-9981486677F0}"/>
+                <a16:creationId xmlns:a16="http://schemas.microsoft.com/office/drawing/2014/main" id="{51EBC01A-BE63-BE48-1C52-0612A8FFFB68}"/>
               </a:ext>
             </a:extLst>
           </p:cNvPr>
@@ -856,7 +856,7 @@
           <a:bodyPr/>
           <a:lstStyle/>
           <a:p>
-            <a:fld id="{DAFD26F3-A7F8-407E-B0AC-947E72C325BC}" type="datetimeFigureOut">
+            <a:fld id="{0EC3C017-69FD-4E14-BC6C-470D4ADE41E7}" type="datetimeFigureOut">
               <a:rPr lang="zh-CN" altLang="en-US" smtClean="0"/>
               <a:t>2024/3/10</a:t>
             </a:fld>
@@ -869,7 +869,7 @@
           <p:cNvPr id="5" name="页脚占位符 4">
             <a:extLst>
               <a:ext uri="{FF2B5EF4-FFF2-40B4-BE49-F238E27FC236}">
-                <a16:creationId xmlns:a16="http://schemas.microsoft.com/office/drawing/2014/main" id="{7CFE7CB0-3139-3323-9E7C-479972DC6AF1}"/>
+                <a16:creationId xmlns:a16="http://schemas.microsoft.com/office/drawing/2014/main" id="{0B604E41-861E-CE86-A3C7-94680EAADFC8}"/>
               </a:ext>
             </a:extLst>
           </p:cNvPr>
@@ -894,7 +894,7 @@
           <p:cNvPr id="6" name="灯片编号占位符 5">
             <a:extLst>
               <a:ext uri="{FF2B5EF4-FFF2-40B4-BE49-F238E27FC236}">
-                <a16:creationId xmlns:a16="http://schemas.microsoft.com/office/drawing/2014/main" id="{65C9A4A4-E140-DC18-6021-F3DCC5FAE3B8}"/>
+                <a16:creationId xmlns:a16="http://schemas.microsoft.com/office/drawing/2014/main" id="{50366FC5-9DBE-B4B4-6CDB-23224544EB8D}"/>
               </a:ext>
             </a:extLst>
           </p:cNvPr>
@@ -910,7 +910,7 @@
           <a:bodyPr/>
           <a:lstStyle/>
           <a:p>
-            <a:fld id="{BA028A31-630F-4C41-9FC3-36CAF00CB67B}" type="slidenum">
+            <a:fld id="{D4CCF160-7757-4D53-B455-341F44448A16}" type="slidenum">
               <a:rPr lang="zh-CN" altLang="en-US" smtClean="0"/>
               <a:t>‹#›</a:t>
             </a:fld>
@@ -921,7 +921,7 @@
     </p:spTree>
     <p:extLst>
       <p:ext uri="{BB962C8B-B14F-4D97-AF65-F5344CB8AC3E}">
-        <p14:creationId xmlns:p14="http://schemas.microsoft.com/office/powerpoint/2010/main" val="1060123869"/>
+        <p14:creationId xmlns:p14="http://schemas.microsoft.com/office/powerpoint/2010/main" val="992493471"/>
       </p:ext>
     </p:extLst>
   </p:cSld>
@@ -953,7 +953,7 @@
           <p:cNvPr id="2" name="标题 1">
             <a:extLst>
               <a:ext uri="{FF2B5EF4-FFF2-40B4-BE49-F238E27FC236}">
-                <a16:creationId xmlns:a16="http://schemas.microsoft.com/office/drawing/2014/main" id="{B78DCB3C-3BD2-37EC-870B-69F086931886}"/>
+                <a16:creationId xmlns:a16="http://schemas.microsoft.com/office/drawing/2014/main" id="{13709ADC-2157-68D1-5D76-49658D693C8B}"/>
               </a:ext>
             </a:extLst>
           </p:cNvPr>
@@ -990,7 +990,7 @@
           <p:cNvPr id="3" name="文本占位符 2">
             <a:extLst>
               <a:ext uri="{FF2B5EF4-FFF2-40B4-BE49-F238E27FC236}">
-                <a16:creationId xmlns:a16="http://schemas.microsoft.com/office/drawing/2014/main" id="{264AD2F7-1A42-58EA-C8C1-D69A439AE58C}"/>
+                <a16:creationId xmlns:a16="http://schemas.microsoft.com/office/drawing/2014/main" id="{DDBC6925-E250-965E-A036-87E47480A376}"/>
               </a:ext>
             </a:extLst>
           </p:cNvPr>
@@ -1115,7 +1115,7 @@
           <p:cNvPr id="4" name="日期占位符 3">
             <a:extLst>
               <a:ext uri="{FF2B5EF4-FFF2-40B4-BE49-F238E27FC236}">
-                <a16:creationId xmlns:a16="http://schemas.microsoft.com/office/drawing/2014/main" id="{178DA1CC-CDED-1E7E-00BB-488A0941AFB4}"/>
+                <a16:creationId xmlns:a16="http://schemas.microsoft.com/office/drawing/2014/main" id="{EF0A15F4-F08C-D363-32B4-41A2AEE4B211}"/>
               </a:ext>
             </a:extLst>
           </p:cNvPr>
@@ -1131,7 +1131,7 @@
           <a:bodyPr/>
           <a:lstStyle/>
           <a:p>
-            <a:fld id="{DAFD26F3-A7F8-407E-B0AC-947E72C325BC}" type="datetimeFigureOut">
+            <a:fld id="{0EC3C017-69FD-4E14-BC6C-470D4ADE41E7}" type="datetimeFigureOut">
               <a:rPr lang="zh-CN" altLang="en-US" smtClean="0"/>
               <a:t>2024/3/10</a:t>
             </a:fld>
@@ -1144,7 +1144,7 @@
           <p:cNvPr id="5" name="页脚占位符 4">
             <a:extLst>
               <a:ext uri="{FF2B5EF4-FFF2-40B4-BE49-F238E27FC236}">
-                <a16:creationId xmlns:a16="http://schemas.microsoft.com/office/drawing/2014/main" id="{14038DA1-D2A6-F18E-0565-C7A335404789}"/>
+                <a16:creationId xmlns:a16="http://schemas.microsoft.com/office/drawing/2014/main" id="{F449B54E-5309-98E7-AD4B-9B8AA95CD7B0}"/>
               </a:ext>
             </a:extLst>
           </p:cNvPr>
@@ -1169,7 +1169,7 @@
           <p:cNvPr id="6" name="灯片编号占位符 5">
             <a:extLst>
               <a:ext uri="{FF2B5EF4-FFF2-40B4-BE49-F238E27FC236}">
-                <a16:creationId xmlns:a16="http://schemas.microsoft.com/office/drawing/2014/main" id="{5B3585FD-F84C-0377-D9FB-A63228163C62}"/>
+                <a16:creationId xmlns:a16="http://schemas.microsoft.com/office/drawing/2014/main" id="{1B3984BF-6022-8A72-CF8E-80CE062519A0}"/>
               </a:ext>
             </a:extLst>
           </p:cNvPr>
@@ -1185,7 +1185,7 @@
           <a:bodyPr/>
           <a:lstStyle/>
           <a:p>
-            <a:fld id="{BA028A31-630F-4C41-9FC3-36CAF00CB67B}" type="slidenum">
+            <a:fld id="{D4CCF160-7757-4D53-B455-341F44448A16}" type="slidenum">
               <a:rPr lang="zh-CN" altLang="en-US" smtClean="0"/>
               <a:t>‹#›</a:t>
             </a:fld>
@@ -1196,7 +1196,7 @@
     </p:spTree>
     <p:extLst>
       <p:ext uri="{BB962C8B-B14F-4D97-AF65-F5344CB8AC3E}">
-        <p14:creationId xmlns:p14="http://schemas.microsoft.com/office/powerpoint/2010/main" val="1050044633"/>
+        <p14:creationId xmlns:p14="http://schemas.microsoft.com/office/powerpoint/2010/main" val="3543670305"/>
       </p:ext>
     </p:extLst>
   </p:cSld>
@@ -1228,7 +1228,7 @@
           <p:cNvPr id="2" name="标题 1">
             <a:extLst>
               <a:ext uri="{FF2B5EF4-FFF2-40B4-BE49-F238E27FC236}">
-                <a16:creationId xmlns:a16="http://schemas.microsoft.com/office/drawing/2014/main" id="{9C0008F9-1855-1DCD-F7E0-F70A9D9AC31E}"/>
+                <a16:creationId xmlns:a16="http://schemas.microsoft.com/office/drawing/2014/main" id="{778E8A34-274D-A66D-E181-E1C253A8AAD0}"/>
               </a:ext>
             </a:extLst>
           </p:cNvPr>
@@ -1256,7 +1256,7 @@
           <p:cNvPr id="3" name="内容占位符 2">
             <a:extLst>
               <a:ext uri="{FF2B5EF4-FFF2-40B4-BE49-F238E27FC236}">
-                <a16:creationId xmlns:a16="http://schemas.microsoft.com/office/drawing/2014/main" id="{2A6B9CE0-0214-22EC-D824-F52DE7D9F010}"/>
+                <a16:creationId xmlns:a16="http://schemas.microsoft.com/office/drawing/2014/main" id="{52C393E9-53A3-6899-A3A0-6A69852E432C}"/>
               </a:ext>
             </a:extLst>
           </p:cNvPr>
@@ -1318,7 +1318,7 @@
           <p:cNvPr id="4" name="内容占位符 3">
             <a:extLst>
               <a:ext uri="{FF2B5EF4-FFF2-40B4-BE49-F238E27FC236}">
-                <a16:creationId xmlns:a16="http://schemas.microsoft.com/office/drawing/2014/main" id="{30BBE009-17B8-DCFB-E70A-F036E105113E}"/>
+                <a16:creationId xmlns:a16="http://schemas.microsoft.com/office/drawing/2014/main" id="{FA02276A-C934-9032-AFD7-8F296250EA87}"/>
               </a:ext>
             </a:extLst>
           </p:cNvPr>
@@ -1380,7 +1380,7 @@
           <p:cNvPr id="5" name="日期占位符 4">
             <a:extLst>
               <a:ext uri="{FF2B5EF4-FFF2-40B4-BE49-F238E27FC236}">
-                <a16:creationId xmlns:a16="http://schemas.microsoft.com/office/drawing/2014/main" id="{DA6718D1-B69C-B4EE-2525-5972C832AC07}"/>
+                <a16:creationId xmlns:a16="http://schemas.microsoft.com/office/drawing/2014/main" id="{CFEA608C-1957-F7BB-737D-CABBA0802148}"/>
               </a:ext>
             </a:extLst>
           </p:cNvPr>
@@ -1396,7 +1396,7 @@
           <a:bodyPr/>
           <a:lstStyle/>
           <a:p>
-            <a:fld id="{DAFD26F3-A7F8-407E-B0AC-947E72C325BC}" type="datetimeFigureOut">
+            <a:fld id="{0EC3C017-69FD-4E14-BC6C-470D4ADE41E7}" type="datetimeFigureOut">
               <a:rPr lang="zh-CN" altLang="en-US" smtClean="0"/>
               <a:t>2024/3/10</a:t>
             </a:fld>
@@ -1409,7 +1409,7 @@
           <p:cNvPr id="6" name="页脚占位符 5">
             <a:extLst>
               <a:ext uri="{FF2B5EF4-FFF2-40B4-BE49-F238E27FC236}">
-                <a16:creationId xmlns:a16="http://schemas.microsoft.com/office/drawing/2014/main" id="{2420C2BF-BCC6-2061-7836-7D5320D791AE}"/>
+                <a16:creationId xmlns:a16="http://schemas.microsoft.com/office/drawing/2014/main" id="{1A97D883-D35B-B4D2-4543-BC8AA3578557}"/>
               </a:ext>
             </a:extLst>
           </p:cNvPr>
@@ -1434,7 +1434,7 @@
           <p:cNvPr id="7" name="灯片编号占位符 6">
             <a:extLst>
               <a:ext uri="{FF2B5EF4-FFF2-40B4-BE49-F238E27FC236}">
-                <a16:creationId xmlns:a16="http://schemas.microsoft.com/office/drawing/2014/main" id="{32957777-77A8-B88A-173C-957536373C46}"/>
+                <a16:creationId xmlns:a16="http://schemas.microsoft.com/office/drawing/2014/main" id="{C0577234-FE37-E6BC-604C-DCF95B214854}"/>
               </a:ext>
             </a:extLst>
           </p:cNvPr>
@@ -1450,7 +1450,7 @@
           <a:bodyPr/>
           <a:lstStyle/>
           <a:p>
-            <a:fld id="{BA028A31-630F-4C41-9FC3-36CAF00CB67B}" type="slidenum">
+            <a:fld id="{D4CCF160-7757-4D53-B455-341F44448A16}" type="slidenum">
               <a:rPr lang="zh-CN" altLang="en-US" smtClean="0"/>
               <a:t>‹#›</a:t>
             </a:fld>
@@ -1461,7 +1461,7 @@
     </p:spTree>
     <p:extLst>
       <p:ext uri="{BB962C8B-B14F-4D97-AF65-F5344CB8AC3E}">
-        <p14:creationId xmlns:p14="http://schemas.microsoft.com/office/powerpoint/2010/main" val="3997039411"/>
+        <p14:creationId xmlns:p14="http://schemas.microsoft.com/office/powerpoint/2010/main" val="2004580075"/>
       </p:ext>
     </p:extLst>
   </p:cSld>
@@ -1493,7 +1493,7 @@
           <p:cNvPr id="2" name="标题 1">
             <a:extLst>
               <a:ext uri="{FF2B5EF4-FFF2-40B4-BE49-F238E27FC236}">
-                <a16:creationId xmlns:a16="http://schemas.microsoft.com/office/drawing/2014/main" id="{561486E0-E21E-45D4-D555-97CA59F3672B}"/>
+                <a16:creationId xmlns:a16="http://schemas.microsoft.com/office/drawing/2014/main" id="{BFD093B9-5998-B9F8-FAD6-DB5C3BE366EB}"/>
               </a:ext>
             </a:extLst>
           </p:cNvPr>
@@ -1526,7 +1526,7 @@
           <p:cNvPr id="3" name="文本占位符 2">
             <a:extLst>
               <a:ext uri="{FF2B5EF4-FFF2-40B4-BE49-F238E27FC236}">
-                <a16:creationId xmlns:a16="http://schemas.microsoft.com/office/drawing/2014/main" id="{AA5A1DDF-9A9D-9FE3-531E-B6998ADE9AB0}"/>
+                <a16:creationId xmlns:a16="http://schemas.microsoft.com/office/drawing/2014/main" id="{1FF3DE8C-0A77-A925-2178-590186DE0351}"/>
               </a:ext>
             </a:extLst>
           </p:cNvPr>
@@ -1597,7 +1597,7 @@
           <p:cNvPr id="4" name="内容占位符 3">
             <a:extLst>
               <a:ext uri="{FF2B5EF4-FFF2-40B4-BE49-F238E27FC236}">
-                <a16:creationId xmlns:a16="http://schemas.microsoft.com/office/drawing/2014/main" id="{C8D2FFE6-DD78-6836-7647-FC1F076F1983}"/>
+                <a16:creationId xmlns:a16="http://schemas.microsoft.com/office/drawing/2014/main" id="{AFB05225-10A4-99C6-2A30-49DBFEEEED83}"/>
               </a:ext>
             </a:extLst>
           </p:cNvPr>
@@ -1659,7 +1659,7 @@
           <p:cNvPr id="5" name="文本占位符 4">
             <a:extLst>
               <a:ext uri="{FF2B5EF4-FFF2-40B4-BE49-F238E27FC236}">
-                <a16:creationId xmlns:a16="http://schemas.microsoft.com/office/drawing/2014/main" id="{B5499519-6F3C-CD87-0B6E-5805D6B7DC04}"/>
+                <a16:creationId xmlns:a16="http://schemas.microsoft.com/office/drawing/2014/main" id="{658C9C0A-B452-EEED-DD4C-1E9A92DAEFDD}"/>
               </a:ext>
             </a:extLst>
           </p:cNvPr>
@@ -1730,7 +1730,7 @@
           <p:cNvPr id="6" name="内容占位符 5">
             <a:extLst>
               <a:ext uri="{FF2B5EF4-FFF2-40B4-BE49-F238E27FC236}">
-                <a16:creationId xmlns:a16="http://schemas.microsoft.com/office/drawing/2014/main" id="{41618372-545F-C13C-8156-88A3D1579258}"/>
+                <a16:creationId xmlns:a16="http://schemas.microsoft.com/office/drawing/2014/main" id="{A9C37F27-4117-6E58-9A91-8EAA803C158E}"/>
               </a:ext>
             </a:extLst>
           </p:cNvPr>
@@ -1792,7 +1792,7 @@
           <p:cNvPr id="7" name="日期占位符 6">
             <a:extLst>
               <a:ext uri="{FF2B5EF4-FFF2-40B4-BE49-F238E27FC236}">
-                <a16:creationId xmlns:a16="http://schemas.microsoft.com/office/drawing/2014/main" id="{ED128DD7-C4EA-193A-B7F1-CE45A2CE67FC}"/>
+                <a16:creationId xmlns:a16="http://schemas.microsoft.com/office/drawing/2014/main" id="{71D9C61D-0491-267E-5874-342EDB82378E}"/>
               </a:ext>
             </a:extLst>
           </p:cNvPr>
@@ -1808,7 +1808,7 @@
           <a:bodyPr/>
           <a:lstStyle/>
           <a:p>
-            <a:fld id="{DAFD26F3-A7F8-407E-B0AC-947E72C325BC}" type="datetimeFigureOut">
+            <a:fld id="{0EC3C017-69FD-4E14-BC6C-470D4ADE41E7}" type="datetimeFigureOut">
               <a:rPr lang="zh-CN" altLang="en-US" smtClean="0"/>
               <a:t>2024/3/10</a:t>
             </a:fld>
@@ -1821,7 +1821,7 @@
           <p:cNvPr id="8" name="页脚占位符 7">
             <a:extLst>
               <a:ext uri="{FF2B5EF4-FFF2-40B4-BE49-F238E27FC236}">
-                <a16:creationId xmlns:a16="http://schemas.microsoft.com/office/drawing/2014/main" id="{9D4F16A7-F407-1996-E7C9-1C84344D413A}"/>
+                <a16:creationId xmlns:a16="http://schemas.microsoft.com/office/drawing/2014/main" id="{1676BBB1-CAD0-03DA-9F66-0506EE147A3B}"/>
               </a:ext>
             </a:extLst>
           </p:cNvPr>
@@ -1846,7 +1846,7 @@
           <p:cNvPr id="9" name="灯片编号占位符 8">
             <a:extLst>
               <a:ext uri="{FF2B5EF4-FFF2-40B4-BE49-F238E27FC236}">
-                <a16:creationId xmlns:a16="http://schemas.microsoft.com/office/drawing/2014/main" id="{80424D13-61A0-3A1D-F26A-158CB5EC9FC4}"/>
+                <a16:creationId xmlns:a16="http://schemas.microsoft.com/office/drawing/2014/main" id="{32B7EC7D-E244-9E89-7CB9-B016DFD4B931}"/>
               </a:ext>
             </a:extLst>
           </p:cNvPr>
@@ -1862,7 +1862,7 @@
           <a:bodyPr/>
           <a:lstStyle/>
           <a:p>
-            <a:fld id="{BA028A31-630F-4C41-9FC3-36CAF00CB67B}" type="slidenum">
+            <a:fld id="{D4CCF160-7757-4D53-B455-341F44448A16}" type="slidenum">
               <a:rPr lang="zh-CN" altLang="en-US" smtClean="0"/>
               <a:t>‹#›</a:t>
             </a:fld>
@@ -1873,7 +1873,7 @@
     </p:spTree>
     <p:extLst>
       <p:ext uri="{BB962C8B-B14F-4D97-AF65-F5344CB8AC3E}">
-        <p14:creationId xmlns:p14="http://schemas.microsoft.com/office/powerpoint/2010/main" val="700573699"/>
+        <p14:creationId xmlns:p14="http://schemas.microsoft.com/office/powerpoint/2010/main" val="716464909"/>
       </p:ext>
     </p:extLst>
   </p:cSld>
@@ -1905,7 +1905,7 @@
           <p:cNvPr id="2" name="标题 1">
             <a:extLst>
               <a:ext uri="{FF2B5EF4-FFF2-40B4-BE49-F238E27FC236}">
-                <a16:creationId xmlns:a16="http://schemas.microsoft.com/office/drawing/2014/main" id="{4AB1F7C1-F6BC-C49F-625C-9DF43E46DE3A}"/>
+                <a16:creationId xmlns:a16="http://schemas.microsoft.com/office/drawing/2014/main" id="{372AE853-691F-3A09-8F5C-8F50031F25AA}"/>
               </a:ext>
             </a:extLst>
           </p:cNvPr>
@@ -1933,7 +1933,7 @@
           <p:cNvPr id="3" name="日期占位符 2">
             <a:extLst>
               <a:ext uri="{FF2B5EF4-FFF2-40B4-BE49-F238E27FC236}">
-                <a16:creationId xmlns:a16="http://schemas.microsoft.com/office/drawing/2014/main" id="{F2D2E82E-0440-244F-BDE9-CC89E1AA9ECF}"/>
+                <a16:creationId xmlns:a16="http://schemas.microsoft.com/office/drawing/2014/main" id="{C471D6C1-4706-D882-36F3-D135620B226E}"/>
               </a:ext>
             </a:extLst>
           </p:cNvPr>
@@ -1949,7 +1949,7 @@
           <a:bodyPr/>
           <a:lstStyle/>
           <a:p>
-            <a:fld id="{DAFD26F3-A7F8-407E-B0AC-947E72C325BC}" type="datetimeFigureOut">
+            <a:fld id="{0EC3C017-69FD-4E14-BC6C-470D4ADE41E7}" type="datetimeFigureOut">
               <a:rPr lang="zh-CN" altLang="en-US" smtClean="0"/>
               <a:t>2024/3/10</a:t>
             </a:fld>
@@ -1962,7 +1962,7 @@
           <p:cNvPr id="4" name="页脚占位符 3">
             <a:extLst>
               <a:ext uri="{FF2B5EF4-FFF2-40B4-BE49-F238E27FC236}">
-                <a16:creationId xmlns:a16="http://schemas.microsoft.com/office/drawing/2014/main" id="{D3CEAE01-7617-2E30-CE88-4C6593B767E1}"/>
+                <a16:creationId xmlns:a16="http://schemas.microsoft.com/office/drawing/2014/main" id="{CBCCF3CE-04C1-79DF-DE7F-C3240934CCA9}"/>
               </a:ext>
             </a:extLst>
           </p:cNvPr>
@@ -1987,7 +1987,7 @@
           <p:cNvPr id="5" name="灯片编号占位符 4">
             <a:extLst>
               <a:ext uri="{FF2B5EF4-FFF2-40B4-BE49-F238E27FC236}">
-                <a16:creationId xmlns:a16="http://schemas.microsoft.com/office/drawing/2014/main" id="{F58FA193-524C-E9C3-2EE0-4E69156731FA}"/>
+                <a16:creationId xmlns:a16="http://schemas.microsoft.com/office/drawing/2014/main" id="{8AC3D35A-B4FE-2896-8FF7-EC108E699D64}"/>
               </a:ext>
             </a:extLst>
           </p:cNvPr>
@@ -2003,7 +2003,7 @@
           <a:bodyPr/>
           <a:lstStyle/>
           <a:p>
-            <a:fld id="{BA028A31-630F-4C41-9FC3-36CAF00CB67B}" type="slidenum">
+            <a:fld id="{D4CCF160-7757-4D53-B455-341F44448A16}" type="slidenum">
               <a:rPr lang="zh-CN" altLang="en-US" smtClean="0"/>
               <a:t>‹#›</a:t>
             </a:fld>
@@ -2014,7 +2014,7 @@
     </p:spTree>
     <p:extLst>
       <p:ext uri="{BB962C8B-B14F-4D97-AF65-F5344CB8AC3E}">
-        <p14:creationId xmlns:p14="http://schemas.microsoft.com/office/powerpoint/2010/main" val="3094458112"/>
+        <p14:creationId xmlns:p14="http://schemas.microsoft.com/office/powerpoint/2010/main" val="2767240994"/>
       </p:ext>
     </p:extLst>
   </p:cSld>
@@ -2046,7 +2046,7 @@
           <p:cNvPr id="2" name="日期占位符 1">
             <a:extLst>
               <a:ext uri="{FF2B5EF4-FFF2-40B4-BE49-F238E27FC236}">
-                <a16:creationId xmlns:a16="http://schemas.microsoft.com/office/drawing/2014/main" id="{B91D0A39-13CA-1C69-0FC0-5515A6BEB60F}"/>
+                <a16:creationId xmlns:a16="http://schemas.microsoft.com/office/drawing/2014/main" id="{139DC76B-F116-58D4-630C-D366C471AA11}"/>
               </a:ext>
             </a:extLst>
           </p:cNvPr>
@@ -2062,7 +2062,7 @@
           <a:bodyPr/>
           <a:lstStyle/>
           <a:p>
-            <a:fld id="{DAFD26F3-A7F8-407E-B0AC-947E72C325BC}" type="datetimeFigureOut">
+            <a:fld id="{0EC3C017-69FD-4E14-BC6C-470D4ADE41E7}" type="datetimeFigureOut">
               <a:rPr lang="zh-CN" altLang="en-US" smtClean="0"/>
               <a:t>2024/3/10</a:t>
             </a:fld>
@@ -2075,7 +2075,7 @@
           <p:cNvPr id="3" name="页脚占位符 2">
             <a:extLst>
               <a:ext uri="{FF2B5EF4-FFF2-40B4-BE49-F238E27FC236}">
-                <a16:creationId xmlns:a16="http://schemas.microsoft.com/office/drawing/2014/main" id="{E954DC8A-6143-72E7-9EE9-DDBF1BB6EC63}"/>
+                <a16:creationId xmlns:a16="http://schemas.microsoft.com/office/drawing/2014/main" id="{F3F999D5-1ECC-A544-58E9-C07842E2BE30}"/>
               </a:ext>
             </a:extLst>
           </p:cNvPr>
@@ -2100,7 +2100,7 @@
           <p:cNvPr id="4" name="灯片编号占位符 3">
             <a:extLst>
               <a:ext uri="{FF2B5EF4-FFF2-40B4-BE49-F238E27FC236}">
-                <a16:creationId xmlns:a16="http://schemas.microsoft.com/office/drawing/2014/main" id="{36964C72-F493-5467-D0D1-B67BB0367AEA}"/>
+                <a16:creationId xmlns:a16="http://schemas.microsoft.com/office/drawing/2014/main" id="{B017263A-2763-2BC9-B102-84DA630C2CF9}"/>
               </a:ext>
             </a:extLst>
           </p:cNvPr>
@@ -2116,7 +2116,7 @@
           <a:bodyPr/>
           <a:lstStyle/>
           <a:p>
-            <a:fld id="{BA028A31-630F-4C41-9FC3-36CAF00CB67B}" type="slidenum">
+            <a:fld id="{D4CCF160-7757-4D53-B455-341F44448A16}" type="slidenum">
               <a:rPr lang="zh-CN" altLang="en-US" smtClean="0"/>
               <a:t>‹#›</a:t>
             </a:fld>
@@ -2127,7 +2127,7 @@
     </p:spTree>
     <p:extLst>
       <p:ext uri="{BB962C8B-B14F-4D97-AF65-F5344CB8AC3E}">
-        <p14:creationId xmlns:p14="http://schemas.microsoft.com/office/powerpoint/2010/main" val="3823196432"/>
+        <p14:creationId xmlns:p14="http://schemas.microsoft.com/office/powerpoint/2010/main" val="2259228066"/>
       </p:ext>
     </p:extLst>
   </p:cSld>
@@ -2159,7 +2159,7 @@
           <p:cNvPr id="2" name="标题 1">
             <a:extLst>
               <a:ext uri="{FF2B5EF4-FFF2-40B4-BE49-F238E27FC236}">
-                <a16:creationId xmlns:a16="http://schemas.microsoft.com/office/drawing/2014/main" id="{F08893A5-E554-EE8B-5D4A-D3C2C9D58E91}"/>
+                <a16:creationId xmlns:a16="http://schemas.microsoft.com/office/drawing/2014/main" id="{DB3203CE-07F7-3172-3437-24B3D68809D6}"/>
               </a:ext>
             </a:extLst>
           </p:cNvPr>
@@ -2196,7 +2196,7 @@
           <p:cNvPr id="3" name="内容占位符 2">
             <a:extLst>
               <a:ext uri="{FF2B5EF4-FFF2-40B4-BE49-F238E27FC236}">
-                <a16:creationId xmlns:a16="http://schemas.microsoft.com/office/drawing/2014/main" id="{5EE24A24-4108-80EE-A1C7-E3EE5ED7BBD0}"/>
+                <a16:creationId xmlns:a16="http://schemas.microsoft.com/office/drawing/2014/main" id="{2824FAB4-014E-FD90-B3F8-E2B76687FEC5}"/>
               </a:ext>
             </a:extLst>
           </p:cNvPr>
@@ -2286,7 +2286,7 @@
           <p:cNvPr id="4" name="文本占位符 3">
             <a:extLst>
               <a:ext uri="{FF2B5EF4-FFF2-40B4-BE49-F238E27FC236}">
-                <a16:creationId xmlns:a16="http://schemas.microsoft.com/office/drawing/2014/main" id="{E64B5154-3774-22C9-CC66-5B8E5A3F7F75}"/>
+                <a16:creationId xmlns:a16="http://schemas.microsoft.com/office/drawing/2014/main" id="{981DC70F-CFB0-06A2-28D4-481A5E02E449}"/>
               </a:ext>
             </a:extLst>
           </p:cNvPr>
@@ -2357,7 +2357,7 @@
           <p:cNvPr id="5" name="日期占位符 4">
             <a:extLst>
               <a:ext uri="{FF2B5EF4-FFF2-40B4-BE49-F238E27FC236}">
-                <a16:creationId xmlns:a16="http://schemas.microsoft.com/office/drawing/2014/main" id="{D11DE2DD-895D-4263-C544-65663732F651}"/>
+                <a16:creationId xmlns:a16="http://schemas.microsoft.com/office/drawing/2014/main" id="{CE0D241B-D2A5-C716-8376-1F4080E0171A}"/>
               </a:ext>
             </a:extLst>
           </p:cNvPr>
@@ -2373,7 +2373,7 @@
           <a:bodyPr/>
           <a:lstStyle/>
           <a:p>
-            <a:fld id="{DAFD26F3-A7F8-407E-B0AC-947E72C325BC}" type="datetimeFigureOut">
+            <a:fld id="{0EC3C017-69FD-4E14-BC6C-470D4ADE41E7}" type="datetimeFigureOut">
               <a:rPr lang="zh-CN" altLang="en-US" smtClean="0"/>
               <a:t>2024/3/10</a:t>
             </a:fld>
@@ -2386,7 +2386,7 @@
           <p:cNvPr id="6" name="页脚占位符 5">
             <a:extLst>
               <a:ext uri="{FF2B5EF4-FFF2-40B4-BE49-F238E27FC236}">
-                <a16:creationId xmlns:a16="http://schemas.microsoft.com/office/drawing/2014/main" id="{1F14792B-DC0A-E432-D572-EE06F9A1E36C}"/>
+                <a16:creationId xmlns:a16="http://schemas.microsoft.com/office/drawing/2014/main" id="{007F2132-AFE2-6A02-6650-975A1DB773DE}"/>
               </a:ext>
             </a:extLst>
           </p:cNvPr>
@@ -2411,7 +2411,7 @@
           <p:cNvPr id="7" name="灯片编号占位符 6">
             <a:extLst>
               <a:ext uri="{FF2B5EF4-FFF2-40B4-BE49-F238E27FC236}">
-                <a16:creationId xmlns:a16="http://schemas.microsoft.com/office/drawing/2014/main" id="{D2C5B11B-7BDC-82B3-4B58-B2AE1D69D7AC}"/>
+                <a16:creationId xmlns:a16="http://schemas.microsoft.com/office/drawing/2014/main" id="{F846FC02-7ADF-D6D0-8540-A0A26BC08F4E}"/>
               </a:ext>
             </a:extLst>
           </p:cNvPr>
@@ -2427,7 +2427,7 @@
           <a:bodyPr/>
           <a:lstStyle/>
           <a:p>
-            <a:fld id="{BA028A31-630F-4C41-9FC3-36CAF00CB67B}" type="slidenum">
+            <a:fld id="{D4CCF160-7757-4D53-B455-341F44448A16}" type="slidenum">
               <a:rPr lang="zh-CN" altLang="en-US" smtClean="0"/>
               <a:t>‹#›</a:t>
             </a:fld>
@@ -2438,7 +2438,7 @@
     </p:spTree>
     <p:extLst>
       <p:ext uri="{BB962C8B-B14F-4D97-AF65-F5344CB8AC3E}">
-        <p14:creationId xmlns:p14="http://schemas.microsoft.com/office/powerpoint/2010/main" val="3469804773"/>
+        <p14:creationId xmlns:p14="http://schemas.microsoft.com/office/powerpoint/2010/main" val="2189476295"/>
       </p:ext>
     </p:extLst>
   </p:cSld>
@@ -2470,7 +2470,7 @@
           <p:cNvPr id="2" name="标题 1">
             <a:extLst>
               <a:ext uri="{FF2B5EF4-FFF2-40B4-BE49-F238E27FC236}">
-                <a16:creationId xmlns:a16="http://schemas.microsoft.com/office/drawing/2014/main" id="{838B830B-288E-FF87-4047-C9A2B20D8F46}"/>
+                <a16:creationId xmlns:a16="http://schemas.microsoft.com/office/drawing/2014/main" id="{14AF6B67-C29B-6AE0-DA16-4AFD576B3E3F}"/>
               </a:ext>
             </a:extLst>
           </p:cNvPr>
@@ -2507,7 +2507,7 @@
           <p:cNvPr id="3" name="图片占位符 2">
             <a:extLst>
               <a:ext uri="{FF2B5EF4-FFF2-40B4-BE49-F238E27FC236}">
-                <a16:creationId xmlns:a16="http://schemas.microsoft.com/office/drawing/2014/main" id="{F9A33756-32A7-DD83-43E0-1FF1BAB669DB}"/>
+                <a16:creationId xmlns:a16="http://schemas.microsoft.com/office/drawing/2014/main" id="{3436CABC-5BE6-E0B5-928B-379A00E50F03}"/>
               </a:ext>
             </a:extLst>
           </p:cNvPr>
@@ -2574,7 +2574,7 @@
           <p:cNvPr id="4" name="文本占位符 3">
             <a:extLst>
               <a:ext uri="{FF2B5EF4-FFF2-40B4-BE49-F238E27FC236}">
-                <a16:creationId xmlns:a16="http://schemas.microsoft.com/office/drawing/2014/main" id="{61FA7213-E7D1-C964-6D4D-BA39E7149D5D}"/>
+                <a16:creationId xmlns:a16="http://schemas.microsoft.com/office/drawing/2014/main" id="{F4133BEB-EA6F-4562-0E83-0414EEF2AF12}"/>
               </a:ext>
             </a:extLst>
           </p:cNvPr>
@@ -2645,7 +2645,7 @@
           <p:cNvPr id="5" name="日期占位符 4">
             <a:extLst>
               <a:ext uri="{FF2B5EF4-FFF2-40B4-BE49-F238E27FC236}">
-                <a16:creationId xmlns:a16="http://schemas.microsoft.com/office/drawing/2014/main" id="{3506CAE9-698A-2DC7-3B19-81189688089D}"/>
+                <a16:creationId xmlns:a16="http://schemas.microsoft.com/office/drawing/2014/main" id="{EBB965C0-7622-7D9B-2A22-941E734FB806}"/>
               </a:ext>
             </a:extLst>
           </p:cNvPr>
@@ -2661,7 +2661,7 @@
           <a:bodyPr/>
           <a:lstStyle/>
           <a:p>
-            <a:fld id="{DAFD26F3-A7F8-407E-B0AC-947E72C325BC}" type="datetimeFigureOut">
+            <a:fld id="{0EC3C017-69FD-4E14-BC6C-470D4ADE41E7}" type="datetimeFigureOut">
               <a:rPr lang="zh-CN" altLang="en-US" smtClean="0"/>
               <a:t>2024/3/10</a:t>
             </a:fld>
@@ -2674,7 +2674,7 @@
           <p:cNvPr id="6" name="页脚占位符 5">
             <a:extLst>
               <a:ext uri="{FF2B5EF4-FFF2-40B4-BE49-F238E27FC236}">
-                <a16:creationId xmlns:a16="http://schemas.microsoft.com/office/drawing/2014/main" id="{307CB222-DFFA-70A9-C846-DBFADB340A88}"/>
+                <a16:creationId xmlns:a16="http://schemas.microsoft.com/office/drawing/2014/main" id="{A57B7F96-32E4-4CFB-BC30-1F1317101EED}"/>
               </a:ext>
             </a:extLst>
           </p:cNvPr>
@@ -2699,7 +2699,7 @@
           <p:cNvPr id="7" name="灯片编号占位符 6">
             <a:extLst>
               <a:ext uri="{FF2B5EF4-FFF2-40B4-BE49-F238E27FC236}">
-                <a16:creationId xmlns:a16="http://schemas.microsoft.com/office/drawing/2014/main" id="{2D5FA658-FF7C-F297-A7FB-6FC35C82724E}"/>
+                <a16:creationId xmlns:a16="http://schemas.microsoft.com/office/drawing/2014/main" id="{EB90D48D-5EEC-9FDC-6B60-CA9E1B065C57}"/>
               </a:ext>
             </a:extLst>
           </p:cNvPr>
@@ -2715,7 +2715,7 @@
           <a:bodyPr/>
           <a:lstStyle/>
           <a:p>
-            <a:fld id="{BA028A31-630F-4C41-9FC3-36CAF00CB67B}" type="slidenum">
+            <a:fld id="{D4CCF160-7757-4D53-B455-341F44448A16}" type="slidenum">
               <a:rPr lang="zh-CN" altLang="en-US" smtClean="0"/>
               <a:t>‹#›</a:t>
             </a:fld>
@@ -2726,7 +2726,7 @@
     </p:spTree>
     <p:extLst>
       <p:ext uri="{BB962C8B-B14F-4D97-AF65-F5344CB8AC3E}">
-        <p14:creationId xmlns:p14="http://schemas.microsoft.com/office/powerpoint/2010/main" val="1591971255"/>
+        <p14:creationId xmlns:p14="http://schemas.microsoft.com/office/powerpoint/2010/main" val="3193701095"/>
       </p:ext>
     </p:extLst>
   </p:cSld>
@@ -2763,7 +2763,7 @@
           <p:cNvPr id="2" name="标题占位符 1">
             <a:extLst>
               <a:ext uri="{FF2B5EF4-FFF2-40B4-BE49-F238E27FC236}">
-                <a16:creationId xmlns:a16="http://schemas.microsoft.com/office/drawing/2014/main" id="{21E5D0F4-2B06-7C37-A677-6956F1B8E648}"/>
+                <a16:creationId xmlns:a16="http://schemas.microsoft.com/office/drawing/2014/main" id="{76F8C49B-3F29-1118-20FC-412C4F8C45F5}"/>
               </a:ext>
             </a:extLst>
           </p:cNvPr>
@@ -2801,7 +2801,7 @@
           <p:cNvPr id="3" name="文本占位符 2">
             <a:extLst>
               <a:ext uri="{FF2B5EF4-FFF2-40B4-BE49-F238E27FC236}">
-                <a16:creationId xmlns:a16="http://schemas.microsoft.com/office/drawing/2014/main" id="{67278AF7-A83F-74F4-E109-F88892BE85BF}"/>
+                <a16:creationId xmlns:a16="http://schemas.microsoft.com/office/drawing/2014/main" id="{29D366CA-2E6C-6AAB-DDD7-1B446766539D}"/>
               </a:ext>
             </a:extLst>
           </p:cNvPr>
@@ -2868,7 +2868,7 @@
           <p:cNvPr id="4" name="日期占位符 3">
             <a:extLst>
               <a:ext uri="{FF2B5EF4-FFF2-40B4-BE49-F238E27FC236}">
-                <a16:creationId xmlns:a16="http://schemas.microsoft.com/office/drawing/2014/main" id="{9C5F4F8B-8FC6-A0E8-B8AF-D75EB4DD2837}"/>
+                <a16:creationId xmlns:a16="http://schemas.microsoft.com/office/drawing/2014/main" id="{F9A50F65-2DB7-EC46-FF3C-03B304B4CF47}"/>
               </a:ext>
             </a:extLst>
           </p:cNvPr>
@@ -2902,7 +2902,7 @@
             </a:lvl1pPr>
           </a:lstStyle>
           <a:p>
-            <a:fld id="{DAFD26F3-A7F8-407E-B0AC-947E72C325BC}" type="datetimeFigureOut">
+            <a:fld id="{0EC3C017-69FD-4E14-BC6C-470D4ADE41E7}" type="datetimeFigureOut">
               <a:rPr lang="zh-CN" altLang="en-US" smtClean="0"/>
               <a:t>2024/3/10</a:t>
             </a:fld>
@@ -2915,7 +2915,7 @@
           <p:cNvPr id="5" name="页脚占位符 4">
             <a:extLst>
               <a:ext uri="{FF2B5EF4-FFF2-40B4-BE49-F238E27FC236}">
-                <a16:creationId xmlns:a16="http://schemas.microsoft.com/office/drawing/2014/main" id="{7D65BC90-6B54-5A6B-E1A4-96C7E51234C9}"/>
+                <a16:creationId xmlns:a16="http://schemas.microsoft.com/office/drawing/2014/main" id="{9ADC8462-DEA7-DB7E-9C5D-837490753020}"/>
               </a:ext>
             </a:extLst>
           </p:cNvPr>
@@ -2958,7 +2958,7 @@
           <p:cNvPr id="6" name="灯片编号占位符 5">
             <a:extLst>
               <a:ext uri="{FF2B5EF4-FFF2-40B4-BE49-F238E27FC236}">
-                <a16:creationId xmlns:a16="http://schemas.microsoft.com/office/drawing/2014/main" id="{E42733C5-7400-E3C2-ED3E-9A5D1E30A202}"/>
+                <a16:creationId xmlns:a16="http://schemas.microsoft.com/office/drawing/2014/main" id="{0ECBD3F2-A1C7-8CA7-667C-C5CA77D03A9E}"/>
               </a:ext>
             </a:extLst>
           </p:cNvPr>
@@ -2992,7 +2992,7 @@
             </a:lvl1pPr>
           </a:lstStyle>
           <a:p>
-            <a:fld id="{BA028A31-630F-4C41-9FC3-36CAF00CB67B}" type="slidenum">
+            <a:fld id="{D4CCF160-7757-4D53-B455-341F44448A16}" type="slidenum">
               <a:rPr lang="zh-CN" altLang="en-US" smtClean="0"/>
               <a:t>‹#›</a:t>
             </a:fld>
@@ -3003,7 +3003,7 @@
     </p:spTree>
     <p:extLst>
       <p:ext uri="{BB962C8B-B14F-4D97-AF65-F5344CB8AC3E}">
-        <p14:creationId xmlns:p14="http://schemas.microsoft.com/office/powerpoint/2010/main" val="2470874248"/>
+        <p14:creationId xmlns:p14="http://schemas.microsoft.com/office/powerpoint/2010/main" val="3554473298"/>
       </p:ext>
     </p:extLst>
   </p:cSld>
@@ -3323,7 +3323,7 @@
       </p:grpSpPr>
       <p:pic>
         <p:nvPicPr>
-          <p:cNvPr id="733186" name="Picture 2" descr="715"/>
+          <p:cNvPr id="734210" name="Picture 2" descr="716"/>
           <p:cNvPicPr>
             <a:picLocks noChangeAspect="1" noChangeArrowheads="1"/>
           </p:cNvPicPr>
